--- a/Unidad 1/Clases/C1-7/C1-7 Regresión lineal.pptx
+++ b/Unidad 1/Clases/C1-7/C1-7 Regresión lineal.pptx
@@ -7525,8 +7525,8 @@
           </p:sp>
         </mc:Fallback>
       </mc:AlternateContent>
-      <mc:AlternateContent xmlns:mc="http://schemas.openxmlformats.org/markup-compatibility/2006">
-        <mc:Choice xmlns:a14="http://schemas.microsoft.com/office/drawing/2010/main" Requires="a14">
+      <mc:AlternateContent xmlns:mc="http://schemas.openxmlformats.org/markup-compatibility/2006" xmlns:a14="http://schemas.microsoft.com/office/drawing/2010/main">
+        <mc:Choice Requires="a14">
           <p:sp>
             <p:nvSpPr>
               <p:cNvPr id="8" name="CuadroTexto 7">
@@ -7930,7 +7930,7 @@
             </p:txBody>
           </p:sp>
         </mc:Choice>
-        <mc:Fallback>
+        <mc:Fallback xmlns="">
           <p:sp>
             <p:nvSpPr>
               <p:cNvPr id="8" name="CuadroTexto 7">
@@ -8395,7 +8395,7 @@
         </p:blipFill>
         <p:spPr>
           <a:xfrm>
-            <a:off x="369475" y="1378851"/>
+            <a:off x="211617" y="1842310"/>
             <a:ext cx="5415109" cy="3438594"/>
           </a:xfrm>
           <a:prstGeom prst="rect">
@@ -8617,6 +8617,275 @@
           </a:prstGeom>
         </p:spPr>
       </p:pic>
+      <mc:AlternateContent xmlns:mc="http://schemas.openxmlformats.org/markup-compatibility/2006">
+        <mc:Choice xmlns:a14="http://schemas.microsoft.com/office/drawing/2010/main" Requires="a14">
+          <p:sp>
+            <p:nvSpPr>
+              <p:cNvPr id="4" name="CuadroTexto 3">
+                <a:extLst>
+                  <a:ext uri="{FF2B5EF4-FFF2-40B4-BE49-F238E27FC236}">
+                    <a16:creationId xmlns:a16="http://schemas.microsoft.com/office/drawing/2014/main" id="{4B272F9A-20AE-4B4A-A431-1A05906EE7F4}"/>
+                  </a:ext>
+                </a:extLst>
+              </p:cNvPr>
+              <p:cNvSpPr txBox="1"/>
+              <p:nvPr/>
+            </p:nvSpPr>
+            <p:spPr>
+              <a:xfrm>
+                <a:off x="523117" y="932459"/>
+                <a:ext cx="6103620" cy="1200329"/>
+              </a:xfrm>
+              <a:prstGeom prst="rect">
+                <a:avLst/>
+              </a:prstGeom>
+              <a:noFill/>
+            </p:spPr>
+            <p:txBody>
+              <a:bodyPr wrap="square">
+                <a:spAutoFit/>
+              </a:bodyPr>
+              <a:lstStyle/>
+              <a:p>
+                <a:pPr algn="l"/>
+                <a14:m>
+                  <m:oMath xmlns:m="http://schemas.openxmlformats.org/officeDocument/2006/math">
+                    <m:sSub>
+                      <m:sSubPr>
+                        <m:ctrlPr>
+                          <a:rPr lang="es-EC" b="0" i="1" smtClean="0">
+                            <a:solidFill>
+                              <a:srgbClr val="333333"/>
+                            </a:solidFill>
+                            <a:effectLst/>
+                            <a:latin typeface="Cambria Math" panose="02040503050406030204" pitchFamily="18" charset="0"/>
+                          </a:rPr>
+                        </m:ctrlPr>
+                      </m:sSubPr>
+                      <m:e>
+                        <m:r>
+                          <a:rPr lang="es-EC" b="0" i="1" smtClean="0">
+                            <a:solidFill>
+                              <a:srgbClr val="333333"/>
+                            </a:solidFill>
+                            <a:effectLst/>
+                            <a:latin typeface="Cambria Math" panose="02040503050406030204" pitchFamily="18" charset="0"/>
+                          </a:rPr>
+                          <m:t>𝐻</m:t>
+                        </m:r>
+                      </m:e>
+                      <m:sub>
+                        <m:r>
+                          <a:rPr lang="es-EC" b="0" i="1" smtClean="0">
+                            <a:solidFill>
+                              <a:srgbClr val="333333"/>
+                            </a:solidFill>
+                            <a:effectLst/>
+                            <a:latin typeface="Cambria Math" panose="02040503050406030204" pitchFamily="18" charset="0"/>
+                          </a:rPr>
+                          <m:t>0</m:t>
+                        </m:r>
+                      </m:sub>
+                    </m:sSub>
+                    <m:r>
+                      <a:rPr lang="es-EC" b="0" i="1" smtClean="0">
+                        <a:solidFill>
+                          <a:srgbClr val="333333"/>
+                        </a:solidFill>
+                        <a:effectLst/>
+                        <a:latin typeface="Cambria Math" panose="02040503050406030204" pitchFamily="18" charset="0"/>
+                      </a:rPr>
+                      <m:t>:</m:t>
+                    </m:r>
+                    <m:r>
+                      <m:rPr>
+                        <m:sty m:val="p"/>
+                      </m:rPr>
+                      <a:rPr lang="es-EC" b="0" i="0" smtClean="0">
+                        <a:solidFill>
+                          <a:srgbClr val="333333"/>
+                        </a:solidFill>
+                        <a:effectLst/>
+                        <a:latin typeface="Cambria Math" panose="02040503050406030204" pitchFamily="18" charset="0"/>
+                      </a:rPr>
+                      <m:t>L</m:t>
+                    </m:r>
+                  </m:oMath>
+                </a14:m>
+                <a:r>
+                  <a:rPr lang="es-EC" b="0" i="0" dirty="0">
+                    <a:solidFill>
+                      <a:srgbClr val="333333"/>
+                    </a:solidFill>
+                    <a:effectLst/>
+                    <a:latin typeface="Helvetica Neue"/>
+                  </a:rPr>
+                  <a:t>os errores </a:t>
+                </a:r>
+                <a:r>
+                  <a:rPr lang="es-EC" dirty="0">
+                    <a:solidFill>
+                      <a:srgbClr val="333333"/>
+                    </a:solidFill>
+                    <a:latin typeface="Helvetica Neue"/>
+                  </a:rPr>
+                  <a:t>siguen una distribución normal</a:t>
+                </a:r>
+                <a:endParaRPr lang="es-EC" b="0" i="0" dirty="0">
+                  <a:solidFill>
+                    <a:srgbClr val="333333"/>
+                  </a:solidFill>
+                  <a:effectLst/>
+                  <a:latin typeface="Helvetica Neue"/>
+                </a:endParaRPr>
+              </a:p>
+              <a:p>
+                <a:pPr algn="l"/>
+                <a14:m>
+                  <m:oMath xmlns:m="http://schemas.openxmlformats.org/officeDocument/2006/math">
+                    <m:sSub>
+                      <m:sSubPr>
+                        <m:ctrlPr>
+                          <a:rPr lang="es-EC" b="0" i="1" smtClean="0">
+                            <a:solidFill>
+                              <a:srgbClr val="333333"/>
+                            </a:solidFill>
+                            <a:effectLst/>
+                            <a:latin typeface="Cambria Math" panose="02040503050406030204" pitchFamily="18" charset="0"/>
+                          </a:rPr>
+                        </m:ctrlPr>
+                      </m:sSubPr>
+                      <m:e>
+                        <m:r>
+                          <a:rPr lang="es-EC" b="0" i="1" smtClean="0">
+                            <a:solidFill>
+                              <a:srgbClr val="333333"/>
+                            </a:solidFill>
+                            <a:effectLst/>
+                            <a:latin typeface="Cambria Math" panose="02040503050406030204" pitchFamily="18" charset="0"/>
+                          </a:rPr>
+                          <m:t>𝐻</m:t>
+                        </m:r>
+                      </m:e>
+                      <m:sub>
+                        <m:r>
+                          <a:rPr lang="es-EC" b="0" i="1" smtClean="0">
+                            <a:solidFill>
+                              <a:srgbClr val="333333"/>
+                            </a:solidFill>
+                            <a:effectLst/>
+                            <a:latin typeface="Cambria Math" panose="02040503050406030204" pitchFamily="18" charset="0"/>
+                          </a:rPr>
+                          <m:t>1</m:t>
+                        </m:r>
+                      </m:sub>
+                    </m:sSub>
+                    <m:r>
+                      <a:rPr lang="es-EC" b="0" i="1" smtClean="0">
+                        <a:solidFill>
+                          <a:srgbClr val="333333"/>
+                        </a:solidFill>
+                        <a:effectLst/>
+                        <a:latin typeface="Cambria Math" panose="02040503050406030204" pitchFamily="18" charset="0"/>
+                      </a:rPr>
+                      <m:t>:</m:t>
+                    </m:r>
+                    <m:r>
+                      <m:rPr>
+                        <m:sty m:val="p"/>
+                      </m:rPr>
+                      <a:rPr lang="es-EC" b="0" i="0" smtClean="0">
+                        <a:solidFill>
+                          <a:srgbClr val="333333"/>
+                        </a:solidFill>
+                        <a:effectLst/>
+                        <a:latin typeface="Cambria Math" panose="02040503050406030204" pitchFamily="18" charset="0"/>
+                      </a:rPr>
+                      <m:t>L</m:t>
+                    </m:r>
+                  </m:oMath>
+                </a14:m>
+                <a:r>
+                  <a:rPr lang="es-EC" b="0" i="0" dirty="0">
+                    <a:solidFill>
+                      <a:srgbClr val="333333"/>
+                    </a:solidFill>
+                    <a:effectLst/>
+                    <a:latin typeface="Helvetica Neue"/>
+                  </a:rPr>
+                  <a:t>os errores </a:t>
+                </a:r>
+                <a:r>
+                  <a:rPr lang="es-EC" dirty="0">
+                    <a:solidFill>
+                      <a:srgbClr val="333333"/>
+                    </a:solidFill>
+                    <a:latin typeface="Helvetica Neue"/>
+                  </a:rPr>
+                  <a:t>no siguen una distribución normal.</a:t>
+                </a:r>
+                <a:endParaRPr lang="es-EC" b="0" i="0" dirty="0">
+                  <a:solidFill>
+                    <a:srgbClr val="333333"/>
+                  </a:solidFill>
+                  <a:effectLst/>
+                  <a:latin typeface="Helvetica Neue"/>
+                </a:endParaRPr>
+              </a:p>
+              <a:p>
+                <a:br>
+                  <a:rPr lang="es-EC" dirty="0"/>
+                </a:br>
+                <a:endParaRPr lang="es-EC" dirty="0"/>
+              </a:p>
+            </p:txBody>
+          </p:sp>
+        </mc:Choice>
+        <mc:Fallback>
+          <p:sp>
+            <p:nvSpPr>
+              <p:cNvPr id="4" name="CuadroTexto 3">
+                <a:extLst>
+                  <a:ext uri="{FF2B5EF4-FFF2-40B4-BE49-F238E27FC236}">
+                    <a16:creationId xmlns:a16="http://schemas.microsoft.com/office/drawing/2014/main" id="{4B272F9A-20AE-4B4A-A431-1A05906EE7F4}"/>
+                  </a:ext>
+                </a:extLst>
+              </p:cNvPr>
+              <p:cNvSpPr txBox="1">
+                <a:spLocks noRot="1" noChangeAspect="1" noMove="1" noResize="1" noEditPoints="1" noAdjustHandles="1" noChangeArrowheads="1" noChangeShapeType="1" noTextEdit="1"/>
+              </p:cNvSpPr>
+              <p:nvPr/>
+            </p:nvSpPr>
+            <p:spPr>
+              <a:xfrm>
+                <a:off x="523117" y="932459"/>
+                <a:ext cx="6103620" cy="1200329"/>
+              </a:xfrm>
+              <a:prstGeom prst="rect">
+                <a:avLst/>
+              </a:prstGeom>
+              <a:blipFill>
+                <a:blip r:embed="rId7"/>
+                <a:stretch>
+                  <a:fillRect t="-3046"/>
+                </a:stretch>
+              </a:blipFill>
+            </p:spPr>
+            <p:txBody>
+              <a:bodyPr/>
+              <a:lstStyle/>
+              <a:p>
+                <a:r>
+                  <a:rPr lang="es-EC">
+                    <a:noFill/>
+                  </a:rPr>
+                  <a:t> </a:t>
+                </a:r>
+              </a:p>
+            </p:txBody>
+          </p:sp>
+        </mc:Fallback>
+      </mc:AlternateContent>
     </p:spTree>
     <p:extLst>
       <p:ext uri="{BB962C8B-B14F-4D97-AF65-F5344CB8AC3E}">
@@ -8938,7 +9207,7 @@
         </p:nvSpPr>
         <p:spPr>
           <a:xfrm>
-            <a:off x="838200" y="509847"/>
+            <a:off x="838200" y="567754"/>
             <a:ext cx="10204804" cy="751450"/>
           </a:xfrm>
         </p:spPr>
@@ -8977,7 +9246,7 @@
               <a:t> – </a:t>
             </a:r>
             <a:r>
-              <a:rPr lang="en-US" sz="3400" dirty="0" err="1">
+              <a:rPr lang="es-EC" sz="3400" dirty="0">
                 <a:solidFill>
                   <a:schemeClr val="tx2"/>
                 </a:solidFill>
@@ -8993,12 +9262,12 @@
               <a:t> </a:t>
             </a:r>
             <a:r>
-              <a:rPr lang="en-US" sz="3400" dirty="0" err="1">
+              <a:rPr lang="es-EC" sz="3400" dirty="0">
                 <a:solidFill>
                   <a:schemeClr val="tx2"/>
                 </a:solidFill>
               </a:rPr>
-              <a:t>constannte</a:t>
+              <a:t>constante</a:t>
             </a:r>
             <a:r>
               <a:rPr lang="en-US" sz="3400" dirty="0">
@@ -9009,7 +9278,7 @@
               <a:t> </a:t>
             </a:r>
             <a:r>
-              <a:rPr lang="en-US" sz="3400" dirty="0" err="1">
+              <a:rPr lang="es-EC" sz="3400" dirty="0">
                 <a:solidFill>
                   <a:schemeClr val="tx2"/>
                 </a:solidFill>
@@ -9025,7 +9294,7 @@
               <a:t> los </a:t>
             </a:r>
             <a:r>
-              <a:rPr lang="en-US" sz="3400" dirty="0" err="1">
+              <a:rPr lang="es-EC" sz="3400" dirty="0">
                 <a:solidFill>
                   <a:schemeClr val="tx2"/>
                 </a:solidFill>
@@ -9291,8 +9560,8 @@
           </a:prstGeom>
         </p:spPr>
       </p:pic>
-      <mc:AlternateContent xmlns:mc="http://schemas.openxmlformats.org/markup-compatibility/2006">
-        <mc:Choice xmlns:a14="http://schemas.microsoft.com/office/drawing/2010/main" Requires="a14">
+      <mc:AlternateContent xmlns:mc="http://schemas.openxmlformats.org/markup-compatibility/2006" xmlns:a14="http://schemas.microsoft.com/office/drawing/2010/main">
+        <mc:Choice Requires="a14">
           <p:sp>
             <p:nvSpPr>
               <p:cNvPr id="17" name="CuadroTexto 16">
@@ -9483,7 +9752,7 @@
             </p:txBody>
           </p:sp>
         </mc:Choice>
-        <mc:Fallback>
+        <mc:Fallback xmlns="">
           <p:sp>
             <p:nvSpPr>
               <p:cNvPr id="17" name="CuadroTexto 16">
@@ -10138,8 +10407,8 @@
           </a:prstGeom>
         </p:spPr>
       </p:pic>
-      <mc:AlternateContent xmlns:mc="http://schemas.openxmlformats.org/markup-compatibility/2006">
-        <mc:Choice xmlns:a14="http://schemas.microsoft.com/office/drawing/2010/main" Requires="a14">
+      <mc:AlternateContent xmlns:mc="http://schemas.openxmlformats.org/markup-compatibility/2006" xmlns:a14="http://schemas.microsoft.com/office/drawing/2010/main">
+        <mc:Choice Requires="a14">
           <p:sp>
             <p:nvSpPr>
               <p:cNvPr id="15" name="CuadroTexto 14">
@@ -10322,7 +10591,7 @@
             </p:txBody>
           </p:sp>
         </mc:Choice>
-        <mc:Fallback>
+        <mc:Fallback xmlns="">
           <p:sp>
             <p:nvSpPr>
               <p:cNvPr id="15" name="CuadroTexto 14">
@@ -11005,8 +11274,8 @@
           </a:graphicData>
         </a:graphic>
       </p:graphicFrame>
-      <mc:AlternateContent xmlns:mc="http://schemas.openxmlformats.org/markup-compatibility/2006">
-        <mc:Choice xmlns:a14="http://schemas.microsoft.com/office/drawing/2010/main" Requires="a14">
+      <mc:AlternateContent xmlns:mc="http://schemas.openxmlformats.org/markup-compatibility/2006" xmlns:a14="http://schemas.microsoft.com/office/drawing/2010/main">
+        <mc:Choice Requires="a14">
           <p:sp>
             <p:nvSpPr>
               <p:cNvPr id="8" name="CuadroTexto 7">
@@ -11035,6 +11304,7 @@
               </a:bodyPr>
               <a:lstStyle/>
               <a:p>
+                <a:pPr/>
                 <a14:m>
                   <m:oMathPara xmlns:m="http://schemas.openxmlformats.org/officeDocument/2006/math">
                     <m:oMathParaPr>
@@ -11119,7 +11389,7 @@
             </p:txBody>
           </p:sp>
         </mc:Choice>
-        <mc:Fallback>
+        <mc:Fallback xmlns="">
           <p:sp>
             <p:nvSpPr>
               <p:cNvPr id="8" name="CuadroTexto 7">
@@ -11164,8 +11434,8 @@
           </p:sp>
         </mc:Fallback>
       </mc:AlternateContent>
-      <mc:AlternateContent xmlns:mc="http://schemas.openxmlformats.org/markup-compatibility/2006">
-        <mc:Choice xmlns:a14="http://schemas.microsoft.com/office/drawing/2010/main" Requires="a14">
+      <mc:AlternateContent xmlns:mc="http://schemas.openxmlformats.org/markup-compatibility/2006" xmlns:a14="http://schemas.microsoft.com/office/drawing/2010/main">
+        <mc:Choice Requires="a14">
           <p:sp>
             <p:nvSpPr>
               <p:cNvPr id="21" name="CuadroTexto 20">
@@ -11405,7 +11675,7 @@
             </p:txBody>
           </p:sp>
         </mc:Choice>
-        <mc:Fallback>
+        <mc:Fallback xmlns="">
           <p:sp>
             <p:nvSpPr>
               <p:cNvPr id="21" name="CuadroTexto 20">
